--- a/Presentation.pptx
+++ b/Presentation.pptx
@@ -141,16 +141,24 @@
   <pc:docChgLst>
     <pc:chgData name="Jamie Mellway" userId="64a32afde6b9d889" providerId="LiveId" clId="{AC72A4E8-7ED4-4B44-8D4B-A362E4D3D557}"/>
     <pc:docChg chg="undo custSel modSld">
-      <pc:chgData name="Jamie Mellway" userId="64a32afde6b9d889" providerId="LiveId" clId="{AC72A4E8-7ED4-4B44-8D4B-A362E4D3D557}" dt="2023-04-17T22:50:10.482" v="54" actId="15"/>
+      <pc:chgData name="Jamie Mellway" userId="64a32afde6b9d889" providerId="LiveId" clId="{AC72A4E8-7ED4-4B44-8D4B-A362E4D3D557}" dt="2023-04-18T00:10:55.375" v="70" actId="20577"/>
       <pc:docMkLst>
         <pc:docMk/>
       </pc:docMkLst>
       <pc:sldChg chg="modSp mod">
-        <pc:chgData name="Jamie Mellway" userId="64a32afde6b9d889" providerId="LiveId" clId="{AC72A4E8-7ED4-4B44-8D4B-A362E4D3D557}" dt="2023-04-17T22:36:18.579" v="30" actId="1076"/>
+        <pc:chgData name="Jamie Mellway" userId="64a32afde6b9d889" providerId="LiveId" clId="{AC72A4E8-7ED4-4B44-8D4B-A362E4D3D557}" dt="2023-04-18T00:10:55.375" v="70" actId="20577"/>
         <pc:sldMkLst>
           <pc:docMk/>
           <pc:sldMk cId="3423133475" sldId="307"/>
         </pc:sldMkLst>
+        <pc:spChg chg="mod">
+          <ac:chgData name="Jamie Mellway" userId="64a32afde6b9d889" providerId="LiveId" clId="{AC72A4E8-7ED4-4B44-8D4B-A362E4D3D557}" dt="2023-04-18T00:10:55.375" v="70" actId="20577"/>
+          <ac:spMkLst>
+            <pc:docMk/>
+            <pc:sldMk cId="3423133475" sldId="307"/>
+            <ac:spMk id="11" creationId="{08A26795-7FDB-4255-BB60-1E3CB657020C}"/>
+          </ac:spMkLst>
+        </pc:spChg>
         <pc:spChg chg="mod">
           <ac:chgData name="Jamie Mellway" userId="64a32afde6b9d889" providerId="LiveId" clId="{AC72A4E8-7ED4-4B44-8D4B-A362E4D3D557}" dt="2023-04-17T22:36:14.763" v="29" actId="1076"/>
           <ac:spMkLst>
@@ -169,11 +177,19 @@
         </pc:grpChg>
       </pc:sldChg>
       <pc:sldChg chg="modSp mod">
-        <pc:chgData name="Jamie Mellway" userId="64a32afde6b9d889" providerId="LiveId" clId="{AC72A4E8-7ED4-4B44-8D4B-A362E4D3D557}" dt="2023-04-17T22:37:53.423" v="41" actId="1076"/>
+        <pc:chgData name="Jamie Mellway" userId="64a32afde6b9d889" providerId="LiveId" clId="{AC72A4E8-7ED4-4B44-8D4B-A362E4D3D557}" dt="2023-04-18T00:10:01.548" v="60" actId="20577"/>
         <pc:sldMkLst>
           <pc:docMk/>
           <pc:sldMk cId="4201278032" sldId="309"/>
         </pc:sldMkLst>
+        <pc:spChg chg="mod">
+          <ac:chgData name="Jamie Mellway" userId="64a32afde6b9d889" providerId="LiveId" clId="{AC72A4E8-7ED4-4B44-8D4B-A362E4D3D557}" dt="2023-04-18T00:10:01.548" v="60" actId="20577"/>
+          <ac:spMkLst>
+            <pc:docMk/>
+            <pc:sldMk cId="4201278032" sldId="309"/>
+            <ac:spMk id="42" creationId="{39623E8B-E34D-4BE7-B8F6-44BBC683CA4A}"/>
+          </ac:spMkLst>
+        </pc:spChg>
         <pc:spChg chg="mod">
           <ac:chgData name="Jamie Mellway" userId="64a32afde6b9d889" providerId="LiveId" clId="{AC72A4E8-7ED4-4B44-8D4B-A362E4D3D557}" dt="2023-04-17T22:37:38.280" v="39" actId="14100"/>
           <ac:spMkLst>
@@ -316,7 +332,7 @@
           <a:p>
             <a:fld id="{4AAAF045-FEF6-43EA-9CDC-C84FC3F85E9C}" type="datetimeFigureOut">
               <a:rPr lang="en-US" smtClean="0"/>
-              <a:t>4/14/2023</a:t>
+              <a:t>4/17/2023</a:t>
             </a:fld>
             <a:endParaRPr lang="en-US"/>
           </a:p>
@@ -11126,7 +11142,7 @@
                 <a:rPr lang="en-US" sz="1500" dirty="0" err="1">
                   <a:latin typeface="Bahnschrift SemiBold SemiConden" panose="020B0502040204020203" pitchFamily="34" charset="0"/>
                 </a:rPr>
-                <a:t>ChatGPT</a:t>
+                <a:t>geopy</a:t>
               </a:r>
               <a:endParaRPr lang="en-US" sz="1500" dirty="0">
                 <a:latin typeface="Bahnschrift SemiBold SemiConden" panose="020B0502040204020203" pitchFamily="34" charset="0"/>
@@ -13546,9 +13562,9 @@
         <p:grpSpPr>
           <a:xfrm flipH="1">
             <a:off x="-638302" y="3784623"/>
-            <a:ext cx="3388024" cy="1595789"/>
+            <a:ext cx="3388024" cy="1811233"/>
             <a:chOff x="4962779" y="1768882"/>
-            <a:chExt cx="2586329" cy="1595789"/>
+            <a:chExt cx="2586329" cy="1811233"/>
           </a:xfrm>
         </p:grpSpPr>
         <p:sp>
@@ -13566,7 +13582,7 @@
           <p:spPr>
             <a:xfrm>
               <a:off x="4962779" y="2195120"/>
-              <a:ext cx="2583556" cy="1169551"/>
+              <a:ext cx="2583556" cy="1384995"/>
             </a:xfrm>
             <a:prstGeom prst="rect">
               <a:avLst/>
@@ -13627,6 +13643,17 @@
                   <a:latin typeface="Bahnschrift SemiBold SemiConden" panose="020B0502040204020203" pitchFamily="34" charset="0"/>
                 </a:rPr>
                 <a:t>MCForecastTools</a:t>
+              </a:r>
+              <a:br>
+                <a:rPr lang="en-US" sz="1400" dirty="0">
+                  <a:latin typeface="Bahnschrift SemiBold SemiConden" panose="020B0502040204020203" pitchFamily="34" charset="0"/>
+                </a:rPr>
+              </a:br>
+              <a:r>
+                <a:rPr lang="en-US" sz="1400" dirty="0" err="1">
+                  <a:latin typeface="Bahnschrift SemiBold SemiConden" panose="020B0502040204020203" pitchFamily="34" charset="0"/>
+                </a:rPr>
+                <a:t>Geopy</a:t>
               </a:r>
               <a:endParaRPr lang="en-US" sz="1400" dirty="0">
                 <a:latin typeface="Bahnschrift SemiBold SemiConden" panose="020B0502040204020203" pitchFamily="34" charset="0"/>

--- a/Presentation.pptx
+++ b/Presentation.pptx
@@ -141,12 +141,12 @@
   <pc:docChgLst>
     <pc:chgData name="Jamie Mellway" userId="64a32afde6b9d889" providerId="LiveId" clId="{AC72A4E8-7ED4-4B44-8D4B-A362E4D3D557}"/>
     <pc:docChg chg="undo custSel modSld">
-      <pc:chgData name="Jamie Mellway" userId="64a32afde6b9d889" providerId="LiveId" clId="{AC72A4E8-7ED4-4B44-8D4B-A362E4D3D557}" dt="2023-04-18T00:10:55.375" v="70" actId="20577"/>
+      <pc:chgData name="Jamie Mellway" userId="64a32afde6b9d889" providerId="LiveId" clId="{AC72A4E8-7ED4-4B44-8D4B-A362E4D3D557}" dt="2023-04-18T00:57:17.644" v="92" actId="14100"/>
       <pc:docMkLst>
         <pc:docMk/>
       </pc:docMkLst>
       <pc:sldChg chg="modSp mod">
-        <pc:chgData name="Jamie Mellway" userId="64a32afde6b9d889" providerId="LiveId" clId="{AC72A4E8-7ED4-4B44-8D4B-A362E4D3D557}" dt="2023-04-18T00:10:55.375" v="70" actId="20577"/>
+        <pc:chgData name="Jamie Mellway" userId="64a32afde6b9d889" providerId="LiveId" clId="{AC72A4E8-7ED4-4B44-8D4B-A362E4D3D557}" dt="2023-04-18T00:55:42.572" v="86" actId="20577"/>
         <pc:sldMkLst>
           <pc:docMk/>
           <pc:sldMk cId="3423133475" sldId="307"/>
@@ -160,7 +160,7 @@
           </ac:spMkLst>
         </pc:spChg>
         <pc:spChg chg="mod">
-          <ac:chgData name="Jamie Mellway" userId="64a32afde6b9d889" providerId="LiveId" clId="{AC72A4E8-7ED4-4B44-8D4B-A362E4D3D557}" dt="2023-04-17T22:36:14.763" v="29" actId="1076"/>
+          <ac:chgData name="Jamie Mellway" userId="64a32afde6b9d889" providerId="LiveId" clId="{AC72A4E8-7ED4-4B44-8D4B-A362E4D3D557}" dt="2023-04-18T00:55:42.572" v="86" actId="20577"/>
           <ac:spMkLst>
             <pc:docMk/>
             <pc:sldMk cId="3423133475" sldId="307"/>
@@ -177,11 +177,19 @@
         </pc:grpChg>
       </pc:sldChg>
       <pc:sldChg chg="modSp mod">
-        <pc:chgData name="Jamie Mellway" userId="64a32afde6b9d889" providerId="LiveId" clId="{AC72A4E8-7ED4-4B44-8D4B-A362E4D3D557}" dt="2023-04-18T00:10:01.548" v="60" actId="20577"/>
+        <pc:chgData name="Jamie Mellway" userId="64a32afde6b9d889" providerId="LiveId" clId="{AC72A4E8-7ED4-4B44-8D4B-A362E4D3D557}" dt="2023-04-18T00:52:36.739" v="80" actId="20577"/>
         <pc:sldMkLst>
           <pc:docMk/>
           <pc:sldMk cId="4201278032" sldId="309"/>
         </pc:sldMkLst>
+        <pc:spChg chg="mod">
+          <ac:chgData name="Jamie Mellway" userId="64a32afde6b9d889" providerId="LiveId" clId="{AC72A4E8-7ED4-4B44-8D4B-A362E4D3D557}" dt="2023-04-18T00:52:36.739" v="80" actId="20577"/>
+          <ac:spMkLst>
+            <pc:docMk/>
+            <pc:sldMk cId="4201278032" sldId="309"/>
+            <ac:spMk id="39" creationId="{9F562852-2E9F-433D-94D2-1E2FEB5275C8}"/>
+          </ac:spMkLst>
+        </pc:spChg>
         <pc:spChg chg="mod">
           <ac:chgData name="Jamie Mellway" userId="64a32afde6b9d889" providerId="LiveId" clId="{AC72A4E8-7ED4-4B44-8D4B-A362E4D3D557}" dt="2023-04-18T00:10:01.548" v="60" actId="20577"/>
           <ac:spMkLst>
@@ -208,7 +216,7 @@
         </pc:grpChg>
       </pc:sldChg>
       <pc:sldChg chg="modSp mod">
-        <pc:chgData name="Jamie Mellway" userId="64a32afde6b9d889" providerId="LiveId" clId="{AC72A4E8-7ED4-4B44-8D4B-A362E4D3D557}" dt="2023-04-17T22:50:10.482" v="54" actId="15"/>
+        <pc:chgData name="Jamie Mellway" userId="64a32afde6b9d889" providerId="LiveId" clId="{AC72A4E8-7ED4-4B44-8D4B-A362E4D3D557}" dt="2023-04-18T00:57:17.644" v="92" actId="14100"/>
         <pc:sldMkLst>
           <pc:docMk/>
           <pc:sldMk cId="1547012370" sldId="330"/>
@@ -219,6 +227,14 @@
             <pc:docMk/>
             <pc:sldMk cId="1547012370" sldId="330"/>
             <ac:spMk id="3" creationId="{031BC5AB-4BA9-4429-A1EE-57C0879AD505}"/>
+          </ac:spMkLst>
+        </pc:spChg>
+        <pc:spChg chg="mod">
+          <ac:chgData name="Jamie Mellway" userId="64a32afde6b9d889" providerId="LiveId" clId="{AC72A4E8-7ED4-4B44-8D4B-A362E4D3D557}" dt="2023-04-18T00:57:17.644" v="92" actId="14100"/>
+          <ac:spMkLst>
+            <pc:docMk/>
+            <pc:sldMk cId="1547012370" sldId="330"/>
+            <ac:spMk id="11" creationId="{910E3A19-19A1-4BB4-88A1-A47921E7BAC9}"/>
           </ac:spMkLst>
         </pc:spChg>
         <pc:spChg chg="mod">
@@ -11288,9 +11304,9 @@
         <p:grpSpPr>
           <a:xfrm>
             <a:off x="241305" y="5123688"/>
-            <a:ext cx="6070143" cy="1502724"/>
+            <a:ext cx="6070143" cy="1271891"/>
             <a:chOff x="5987502" y="1781996"/>
-            <a:chExt cx="4823600" cy="1502724"/>
+            <a:chExt cx="4823600" cy="1271891"/>
           </a:xfrm>
         </p:grpSpPr>
         <p:sp>
@@ -11345,7 +11361,7 @@
           <p:spPr>
             <a:xfrm>
               <a:off x="6106401" y="2084391"/>
-              <a:ext cx="4704701" cy="1200329"/>
+              <a:ext cx="4704701" cy="969496"/>
             </a:xfrm>
             <a:prstGeom prst="rect">
               <a:avLst/>
@@ -11370,19 +11386,7 @@
                 <a:rPr lang="en-CA" sz="1500" dirty="0">
                   <a:latin typeface="Bahnschrift SemiBold SemiConden" panose="020B0502040204020203" pitchFamily="34" charset="0"/>
                 </a:rPr>
-                <a:t>The Geolocation data from </a:t>
-              </a:r>
-              <a:r>
-                <a:rPr lang="en-CA" sz="1500" dirty="0" err="1">
-                  <a:latin typeface="Bahnschrift SemiBold SemiConden" panose="020B0502040204020203" pitchFamily="34" charset="0"/>
-                </a:rPr>
-                <a:t>ChatGPT</a:t>
-              </a:r>
-              <a:r>
-                <a:rPr lang="en-CA" sz="1500" dirty="0">
-                  <a:latin typeface="Bahnschrift SemiBold SemiConden" panose="020B0502040204020203" pitchFamily="34" charset="0"/>
-                </a:rPr>
-                <a:t> had Simcoe in the wrong spot</a:t>
+                <a:t>The Geolocation data had Simcoe in the wrong spot</a:t>
               </a:r>
             </a:p>
             <a:p>
@@ -13400,9 +13404,9 @@
         <p:grpSpPr>
           <a:xfrm flipH="1">
             <a:off x="596411" y="1831486"/>
-            <a:ext cx="3384391" cy="1508105"/>
+            <a:ext cx="3384391" cy="1107996"/>
             <a:chOff x="4965552" y="1768882"/>
-            <a:chExt cx="2583556" cy="1508105"/>
+            <a:chExt cx="2583556" cy="1107996"/>
           </a:xfrm>
         </p:grpSpPr>
         <p:sp>
@@ -13420,7 +13424,7 @@
           <p:spPr>
             <a:xfrm>
               <a:off x="4965552" y="2138214"/>
-              <a:ext cx="2583556" cy="1138773"/>
+              <a:ext cx="2583556" cy="738664"/>
             </a:xfrm>
             <a:prstGeom prst="rect">
               <a:avLst/>
@@ -13473,32 +13477,6 @@
                 </a:rPr>
                 <a:t>Monte Carlo</a:t>
               </a:r>
-            </a:p>
-            <a:p>
-              <a:pPr marL="114300" lvl="1" algn="r">
-                <a:spcBef>
-                  <a:spcPts val="0"/>
-                </a:spcBef>
-                <a:buSzPts val="1800"/>
-              </a:pPr>
-              <a:r>
-                <a:rPr lang="en-US" sz="1400" dirty="0">
-                  <a:latin typeface="Bahnschrift SemiBold SemiConden" panose="020B0502040204020203" pitchFamily="34" charset="0"/>
-                </a:rPr>
-                <a:t>Housing market incites</a:t>
-              </a:r>
-            </a:p>
-            <a:p>
-              <a:pPr algn="r"/>
-              <a:endParaRPr lang="ko-KR" altLang="en-US" sz="1200" dirty="0">
-                <a:solidFill>
-                  <a:schemeClr val="tx1">
-                    <a:lumMod val="75000"/>
-                    <a:lumOff val="25000"/>
-                  </a:schemeClr>
-                </a:solidFill>
-                <a:cs typeface="Arial" pitchFamily="34" charset="0"/>
-              </a:endParaRPr>
             </a:p>
           </p:txBody>
         </p:sp>
@@ -14953,8 +14931,8 @@
         </p:nvSpPr>
         <p:spPr>
           <a:xfrm>
-            <a:off x="1841092" y="4726122"/>
-            <a:ext cx="2332981" cy="1292662"/>
+            <a:off x="1482572" y="4726122"/>
+            <a:ext cx="2758316" cy="1092607"/>
           </a:xfrm>
           <a:prstGeom prst="rect">
             <a:avLst/>
